--- a/Extra_docs/Презентация_2.pptx
+++ b/Extra_docs/Презентация_2.pptx
@@ -271,7 +271,7 @@
           <a:p>
             <a:fld id="{9C632C1B-722E-4C72-A04D-46E73AC87AA4}" type="datetimeFigureOut">
               <a:rPr lang="ru-RU" smtClean="0"/>
-              <a:t>01.06.2023</a:t>
+              <a:t>03.06.2023</a:t>
             </a:fld>
             <a:endParaRPr lang="ru-RU"/>
           </a:p>
@@ -469,7 +469,7 @@
           <a:p>
             <a:fld id="{9C632C1B-722E-4C72-A04D-46E73AC87AA4}" type="datetimeFigureOut">
               <a:rPr lang="ru-RU" smtClean="0"/>
-              <a:t>01.06.2023</a:t>
+              <a:t>03.06.2023</a:t>
             </a:fld>
             <a:endParaRPr lang="ru-RU"/>
           </a:p>
@@ -677,7 +677,7 @@
           <a:p>
             <a:fld id="{9C632C1B-722E-4C72-A04D-46E73AC87AA4}" type="datetimeFigureOut">
               <a:rPr lang="ru-RU" smtClean="0"/>
-              <a:t>01.06.2023</a:t>
+              <a:t>03.06.2023</a:t>
             </a:fld>
             <a:endParaRPr lang="ru-RU"/>
           </a:p>
@@ -875,7 +875,7 @@
           <a:p>
             <a:fld id="{9C632C1B-722E-4C72-A04D-46E73AC87AA4}" type="datetimeFigureOut">
               <a:rPr lang="ru-RU" smtClean="0"/>
-              <a:t>01.06.2023</a:t>
+              <a:t>03.06.2023</a:t>
             </a:fld>
             <a:endParaRPr lang="ru-RU"/>
           </a:p>
@@ -1150,7 +1150,7 @@
           <a:p>
             <a:fld id="{9C632C1B-722E-4C72-A04D-46E73AC87AA4}" type="datetimeFigureOut">
               <a:rPr lang="ru-RU" smtClean="0"/>
-              <a:t>01.06.2023</a:t>
+              <a:t>03.06.2023</a:t>
             </a:fld>
             <a:endParaRPr lang="ru-RU"/>
           </a:p>
@@ -1415,7 +1415,7 @@
           <a:p>
             <a:fld id="{9C632C1B-722E-4C72-A04D-46E73AC87AA4}" type="datetimeFigureOut">
               <a:rPr lang="ru-RU" smtClean="0"/>
-              <a:t>01.06.2023</a:t>
+              <a:t>03.06.2023</a:t>
             </a:fld>
             <a:endParaRPr lang="ru-RU"/>
           </a:p>
@@ -1827,7 +1827,7 @@
           <a:p>
             <a:fld id="{9C632C1B-722E-4C72-A04D-46E73AC87AA4}" type="datetimeFigureOut">
               <a:rPr lang="ru-RU" smtClean="0"/>
-              <a:t>01.06.2023</a:t>
+              <a:t>03.06.2023</a:t>
             </a:fld>
             <a:endParaRPr lang="ru-RU"/>
           </a:p>
@@ -1968,7 +1968,7 @@
           <a:p>
             <a:fld id="{9C632C1B-722E-4C72-A04D-46E73AC87AA4}" type="datetimeFigureOut">
               <a:rPr lang="ru-RU" smtClean="0"/>
-              <a:t>01.06.2023</a:t>
+              <a:t>03.06.2023</a:t>
             </a:fld>
             <a:endParaRPr lang="ru-RU"/>
           </a:p>
@@ -2081,7 +2081,7 @@
           <a:p>
             <a:fld id="{9C632C1B-722E-4C72-A04D-46E73AC87AA4}" type="datetimeFigureOut">
               <a:rPr lang="ru-RU" smtClean="0"/>
-              <a:t>01.06.2023</a:t>
+              <a:t>03.06.2023</a:t>
             </a:fld>
             <a:endParaRPr lang="ru-RU"/>
           </a:p>
@@ -2392,7 +2392,7 @@
           <a:p>
             <a:fld id="{9C632C1B-722E-4C72-A04D-46E73AC87AA4}" type="datetimeFigureOut">
               <a:rPr lang="ru-RU" smtClean="0"/>
-              <a:t>01.06.2023</a:t>
+              <a:t>03.06.2023</a:t>
             </a:fld>
             <a:endParaRPr lang="ru-RU"/>
           </a:p>
@@ -2680,7 +2680,7 @@
           <a:p>
             <a:fld id="{9C632C1B-722E-4C72-A04D-46E73AC87AA4}" type="datetimeFigureOut">
               <a:rPr lang="ru-RU" smtClean="0"/>
-              <a:t>01.06.2023</a:t>
+              <a:t>03.06.2023</a:t>
             </a:fld>
             <a:endParaRPr lang="ru-RU"/>
           </a:p>
@@ -2921,7 +2921,7 @@
           <a:p>
             <a:fld id="{9C632C1B-722E-4C72-A04D-46E73AC87AA4}" type="datetimeFigureOut">
               <a:rPr lang="ru-RU" smtClean="0"/>
-              <a:t>01.06.2023</a:t>
+              <a:t>03.06.2023</a:t>
             </a:fld>
             <a:endParaRPr lang="ru-RU"/>
           </a:p>
@@ -5231,10 +5231,13 @@
             </a:r>
           </a:p>
           <a:p>
-            <a:endParaRPr lang="ru-RU" sz="2000" dirty="0">
-              <a:latin typeface="Arial" panose="020B0604020202020204" pitchFamily="34" charset="0"/>
-              <a:cs typeface="Arial" panose="020B0604020202020204" pitchFamily="34" charset="0"/>
-            </a:endParaRPr>
+            <a:r>
+              <a:rPr lang="ru-RU" sz="2000" dirty="0">
+                <a:latin typeface="Arial" panose="020B0604020202020204" pitchFamily="34" charset="0"/>
+                <a:cs typeface="Arial" panose="020B0604020202020204" pitchFamily="34" charset="0"/>
+              </a:rPr>
+              <a:t>  </a:t>
+            </a:r>
           </a:p>
           <a:p>
             <a:endParaRPr lang="ru-RU" sz="2000" dirty="0">
@@ -5293,7 +5296,16 @@
                 <a:latin typeface="Arial" panose="020B0604020202020204" pitchFamily="34" charset="0"/>
                 <a:cs typeface="Arial" panose="020B0604020202020204" pitchFamily="34" charset="0"/>
               </a:rPr>
-              <a:t>- Ограниченная поддержка.</a:t>
+              <a:t>- Ограниченная      </a:t>
+            </a:r>
+          </a:p>
+          <a:p>
+            <a:r>
+              <a:rPr lang="ru-RU" sz="2000" dirty="0">
+                <a:latin typeface="Arial" panose="020B0604020202020204" pitchFamily="34" charset="0"/>
+                <a:cs typeface="Arial" panose="020B0604020202020204" pitchFamily="34" charset="0"/>
+              </a:rPr>
+              <a:t>  поддержка.</a:t>
             </a:r>
           </a:p>
           <a:p>
@@ -5663,7 +5675,7 @@
         <p:spPr>
           <a:xfrm>
             <a:off x="343438" y="520074"/>
-            <a:ext cx="5324098" cy="1015663"/>
+            <a:ext cx="5324098" cy="923330"/>
           </a:xfrm>
           <a:prstGeom prst="rect">
             <a:avLst/>
@@ -5686,7 +5698,7 @@
               <a:t> </a:t>
             </a:r>
             <a:r>
-              <a:rPr lang="ru-RU" sz="6000" b="1" dirty="0">
+              <a:rPr lang="ru-RU" sz="4000" b="1" dirty="0">
                 <a:solidFill>
                   <a:srgbClr val="3DB3B9"/>
                 </a:solidFill>
@@ -5696,7 +5708,7 @@
               <a:t>Технологии</a:t>
             </a:r>
             <a:r>
-              <a:rPr lang="ru-RU" sz="5400" b="1" dirty="0">
+              <a:rPr lang="ru-RU" sz="3600" b="1" dirty="0">
                 <a:solidFill>
                   <a:srgbClr val="3DB3B9"/>
                 </a:solidFill>
@@ -6279,7 +6291,7 @@
         <p:spPr>
           <a:xfrm>
             <a:off x="343438" y="520074"/>
-            <a:ext cx="5324098" cy="1015663"/>
+            <a:ext cx="5324098" cy="923330"/>
           </a:xfrm>
           <a:prstGeom prst="rect">
             <a:avLst/>
@@ -6302,7 +6314,7 @@
               <a:t> </a:t>
             </a:r>
             <a:r>
-              <a:rPr lang="ru-RU" sz="6000" b="1" dirty="0">
+              <a:rPr lang="ru-RU" sz="4000" b="1" dirty="0">
                 <a:solidFill>
                   <a:srgbClr val="3DB3B9"/>
                 </a:solidFill>
@@ -6312,7 +6324,7 @@
               <a:t>Реализация</a:t>
             </a:r>
             <a:r>
-              <a:rPr lang="ru-RU" sz="5400" b="1" dirty="0">
+              <a:rPr lang="ru-RU" sz="3600" b="1" dirty="0">
                 <a:solidFill>
                   <a:srgbClr val="3DB3B9"/>
                 </a:solidFill>
@@ -6610,7 +6622,7 @@
             <a:avLst/>
           </a:prstGeom>
           <a:solidFill>
-            <a:srgbClr val="B3D5CC"/>
+            <a:srgbClr val="3DB3B9"/>
           </a:solidFill>
           <a:ln>
             <a:noFill/>
@@ -6670,7 +6682,7 @@
         </p:blipFill>
         <p:spPr>
           <a:xfrm>
-            <a:off x="-1" y="4701225"/>
+            <a:off x="0" y="146909"/>
             <a:ext cx="12192000" cy="2015618"/>
           </a:xfrm>
         </p:spPr>
@@ -6702,7 +6714,7 @@
         </p:blipFill>
         <p:spPr>
           <a:xfrm>
-            <a:off x="0" y="2190809"/>
+            <a:off x="0" y="4353654"/>
             <a:ext cx="12192000" cy="2357437"/>
           </a:xfrm>
           <a:prstGeom prst="rect">
@@ -6737,7 +6749,7 @@
         </p:blipFill>
         <p:spPr>
           <a:xfrm>
-            <a:off x="0" y="141157"/>
+            <a:off x="0" y="2310074"/>
             <a:ext cx="12192000" cy="1896673"/>
           </a:xfrm>
           <a:prstGeom prst="rect">
